--- a/Báo Cáo/Tiểu Luận.pptx
+++ b/Báo Cáo/Tiểu Luận.pptx
@@ -203,7 +203,7 @@
           <a:p>
             <a:fld id="{0D101A8F-A152-4A2E-8491-4101B49A389C}" type="datetimeFigureOut">
               <a:rPr lang="en-US" smtClean="0"/>
-              <a:t>07/01/2017</a:t>
+              <a:t>12/01/2017</a:t>
             </a:fld>
             <a:endParaRPr lang="en-US"/>
           </a:p>
@@ -1569,7 +1569,7 @@
             <a:fld id="{1D8BD707-D9CF-40AE-B4C6-C98DA3205C09}" type="datetimeFigureOut">
               <a:rPr lang="en-US" smtClean="0"/>
               <a:pPr/>
-              <a:t>07/01/2017</a:t>
+              <a:t>12/01/2017</a:t>
             </a:fld>
             <a:endParaRPr lang="en-US"/>
           </a:p>
@@ -1736,7 +1736,7 @@
             <a:fld id="{1D8BD707-D9CF-40AE-B4C6-C98DA3205C09}" type="datetimeFigureOut">
               <a:rPr lang="en-US" smtClean="0"/>
               <a:pPr/>
-              <a:t>07/01/2017</a:t>
+              <a:t>12/01/2017</a:t>
             </a:fld>
             <a:endParaRPr lang="en-US"/>
           </a:p>
@@ -1913,7 +1913,7 @@
             <a:fld id="{1D8BD707-D9CF-40AE-B4C6-C98DA3205C09}" type="datetimeFigureOut">
               <a:rPr lang="en-US" smtClean="0"/>
               <a:pPr/>
-              <a:t>07/01/2017</a:t>
+              <a:t>12/01/2017</a:t>
             </a:fld>
             <a:endParaRPr lang="en-US"/>
           </a:p>
@@ -2080,7 +2080,7 @@
             <a:fld id="{1D8BD707-D9CF-40AE-B4C6-C98DA3205C09}" type="datetimeFigureOut">
               <a:rPr lang="en-US" smtClean="0"/>
               <a:pPr/>
-              <a:t>07/01/2017</a:t>
+              <a:t>12/01/2017</a:t>
             </a:fld>
             <a:endParaRPr lang="en-US"/>
           </a:p>
@@ -2331,7 +2331,7 @@
             <a:fld id="{1D8BD707-D9CF-40AE-B4C6-C98DA3205C09}" type="datetimeFigureOut">
               <a:rPr lang="en-US" smtClean="0"/>
               <a:pPr/>
-              <a:t>07/01/2017</a:t>
+              <a:t>12/01/2017</a:t>
             </a:fld>
             <a:endParaRPr lang="en-US"/>
           </a:p>
@@ -2597,7 +2597,7 @@
             <a:fld id="{1D8BD707-D9CF-40AE-B4C6-C98DA3205C09}" type="datetimeFigureOut">
               <a:rPr lang="en-US" smtClean="0"/>
               <a:pPr/>
-              <a:t>07/01/2017</a:t>
+              <a:t>12/01/2017</a:t>
             </a:fld>
             <a:endParaRPr lang="en-US"/>
           </a:p>
@@ -2977,7 +2977,7 @@
             <a:fld id="{1D8BD707-D9CF-40AE-B4C6-C98DA3205C09}" type="datetimeFigureOut">
               <a:rPr lang="en-US" smtClean="0"/>
               <a:pPr/>
-              <a:t>07/01/2017</a:t>
+              <a:t>12/01/2017</a:t>
             </a:fld>
             <a:endParaRPr lang="en-US"/>
           </a:p>
@@ -3129,7 +3129,7 @@
             <a:fld id="{1D8BD707-D9CF-40AE-B4C6-C98DA3205C09}" type="datetimeFigureOut">
               <a:rPr lang="en-US" smtClean="0"/>
               <a:pPr/>
-              <a:t>07/01/2017</a:t>
+              <a:t>12/01/2017</a:t>
             </a:fld>
             <a:endParaRPr lang="en-US"/>
           </a:p>
@@ -3221,7 +3221,7 @@
             <a:fld id="{1D8BD707-D9CF-40AE-B4C6-C98DA3205C09}" type="datetimeFigureOut">
               <a:rPr lang="en-US" smtClean="0"/>
               <a:pPr/>
-              <a:t>07/01/2017</a:t>
+              <a:t>12/01/2017</a:t>
             </a:fld>
             <a:endParaRPr lang="en-US"/>
           </a:p>
@@ -3484,7 +3484,7 @@
             <a:fld id="{1D8BD707-D9CF-40AE-B4C6-C98DA3205C09}" type="datetimeFigureOut">
               <a:rPr lang="en-US" smtClean="0"/>
               <a:pPr/>
-              <a:t>07/01/2017</a:t>
+              <a:t>12/01/2017</a:t>
             </a:fld>
             <a:endParaRPr lang="en-US"/>
           </a:p>
@@ -3774,7 +3774,7 @@
             <a:fld id="{1D8BD707-D9CF-40AE-B4C6-C98DA3205C09}" type="datetimeFigureOut">
               <a:rPr lang="en-US" smtClean="0"/>
               <a:pPr/>
-              <a:t>07/01/2017</a:t>
+              <a:t>12/01/2017</a:t>
             </a:fld>
             <a:endParaRPr lang="en-US"/>
           </a:p>
@@ -4547,7 +4547,7 @@
             <a:fld id="{1D8BD707-D9CF-40AE-B4C6-C98DA3205C09}" type="datetimeFigureOut">
               <a:rPr lang="en-US" smtClean="0"/>
               <a:pPr/>
-              <a:t>07/01/2017</a:t>
+              <a:t>12/01/2017</a:t>
             </a:fld>
             <a:endParaRPr lang="en-US"/>
           </a:p>
@@ -5901,15 +5901,7 @@
                 <a:cs typeface="Times New Roman" pitchFamily="18" charset="0"/>
                 <a:hlinkClick r:id="rId3" action="ppaction://hlinksldjump"/>
               </a:rPr>
-              <a:t>Chương </a:t>
-            </a:r>
-            <a:r>
-              <a:rPr lang="en-US" sz="2200" b="1" u="sng" smtClean="0">
-                <a:latin typeface="Times New Roman" pitchFamily="18" charset="0"/>
-                <a:cs typeface="Times New Roman" pitchFamily="18" charset="0"/>
-                <a:hlinkClick r:id="rId3" action="ppaction://hlinksldjump"/>
-              </a:rPr>
-              <a:t>IV. Cài Đặt, Kiểm Thử.</a:t>
+              <a:t>Chương IV. Cài Đặt, Kiểm Thử.</a:t>
             </a:r>
             <a:endParaRPr lang="en-US" sz="2200" b="1">
               <a:latin typeface="Times New Roman" pitchFamily="18" charset="0"/>
@@ -5975,21 +5967,21 @@
                 <a:latin typeface="Times New Roman" pitchFamily="18" charset="0"/>
                 <a:cs typeface="Times New Roman" pitchFamily="18" charset="0"/>
               </a:rPr>
-              <a:t> </a:t>
+              <a:t> : Windows </a:t>
+            </a:r>
+            <a:r>
+              <a:rPr lang="en-US" sz="2000" smtClean="0">
+                <a:latin typeface="Times New Roman" pitchFamily="18" charset="0"/>
+                <a:cs typeface="Times New Roman" pitchFamily="18" charset="0"/>
+              </a:rPr>
+              <a:t>7, </a:t>
             </a:r>
             <a:r>
               <a:rPr lang="en-US" sz="2000">
                 <a:latin typeface="Times New Roman" pitchFamily="18" charset="0"/>
                 <a:cs typeface="Times New Roman" pitchFamily="18" charset="0"/>
               </a:rPr>
-              <a:t>: </a:t>
-            </a:r>
-            <a:r>
-              <a:rPr lang="en-US" sz="2000">
-                <a:latin typeface="Times New Roman" pitchFamily="18" charset="0"/>
-                <a:cs typeface="Times New Roman" pitchFamily="18" charset="0"/>
-              </a:rPr>
-              <a:t>Windows 7 SP1 +, 8, 10; Mac OS X 10.8+</a:t>
+              <a:t>8, 10; Mac OS X 10.8+</a:t>
             </a:r>
             <a:endParaRPr lang="en-US" sz="2000" b="1" u="sng" smtClean="0">
               <a:latin typeface="Times New Roman" pitchFamily="18" charset="0"/>
@@ -6042,14 +6034,7 @@
                 <a:latin typeface="Times New Roman" pitchFamily="18" charset="0"/>
                 <a:cs typeface="Times New Roman" pitchFamily="18" charset="0"/>
               </a:rPr>
-              <a:t>, bộ phát triển </a:t>
-            </a:r>
-            <a:r>
-              <a:rPr lang="en-US" sz="2000">
-                <a:latin typeface="Times New Roman" pitchFamily="18" charset="0"/>
-                <a:cs typeface="Times New Roman" pitchFamily="18" charset="0"/>
-              </a:rPr>
-              <a:t>thích </a:t>
+              <a:t>, bộ phát triển thích </a:t>
             </a:r>
             <a:r>
               <a:rPr lang="en-US" sz="2000" smtClean="0">
@@ -6081,19 +6066,24 @@
               <a:buChar char="-"/>
             </a:pPr>
             <a:r>
-              <a:rPr lang="en-US" sz="2000" smtClean="0"/>
+              <a:rPr lang="en-US" sz="2000" smtClean="0">
+                <a:latin typeface="Times New Roman" pitchFamily="18" charset="0"/>
+                <a:cs typeface="Times New Roman" pitchFamily="18" charset="0"/>
+              </a:rPr>
               <a:t>Test </a:t>
             </a:r>
             <a:r>
-              <a:rPr lang="en-US" sz="2000"/>
-              <a:t>case với chế độ chơi game “</a:t>
-            </a:r>
-            <a:r>
-              <a:rPr lang="en-US" sz="2000"/>
-              <a:t>Play</a:t>
-            </a:r>
-            <a:r>
-              <a:rPr lang="en-US" sz="2000" smtClean="0"/>
+              <a:rPr lang="en-US" sz="2000">
+                <a:latin typeface="Times New Roman" pitchFamily="18" charset="0"/>
+                <a:cs typeface="Times New Roman" pitchFamily="18" charset="0"/>
+              </a:rPr>
+              <a:t>case với chế độ chơi game “Play</a:t>
+            </a:r>
+            <a:r>
+              <a:rPr lang="en-US" sz="2000" smtClean="0">
+                <a:latin typeface="Times New Roman" pitchFamily="18" charset="0"/>
+                <a:cs typeface="Times New Roman" pitchFamily="18" charset="0"/>
+              </a:rPr>
               <a:t>”.</a:t>
             </a:r>
           </a:p>
@@ -6103,14 +6093,23 @@
               <a:buChar char="-"/>
             </a:pPr>
             <a:r>
-              <a:rPr lang="en-US" sz="2000" smtClean="0"/>
+              <a:rPr lang="en-US" sz="2000" smtClean="0">
+                <a:latin typeface="Times New Roman" pitchFamily="18" charset="0"/>
+                <a:cs typeface="Times New Roman" pitchFamily="18" charset="0"/>
+              </a:rPr>
               <a:t>Test </a:t>
             </a:r>
             <a:r>
-              <a:rPr lang="en-US" sz="2000"/>
+              <a:rPr lang="en-US" sz="2000">
+                <a:latin typeface="Times New Roman" pitchFamily="18" charset="0"/>
+                <a:cs typeface="Times New Roman" pitchFamily="18" charset="0"/>
+              </a:rPr>
               <a:t>case với chế độ chơi game “Play Special”.</a:t>
             </a:r>
-            <a:endParaRPr lang="en-US" sz="2000" i="1"/>
+            <a:endParaRPr lang="en-US" sz="2000" i="1">
+              <a:latin typeface="Times New Roman" pitchFamily="18" charset="0"/>
+              <a:cs typeface="Times New Roman" pitchFamily="18" charset="0"/>
+            </a:endParaRPr>
           </a:p>
           <a:p>
             <a:pPr>
@@ -6118,19 +6117,31 @@
               <a:buChar char="-"/>
             </a:pPr>
             <a:r>
-              <a:rPr lang="en-US" sz="2000"/>
+              <a:rPr lang="en-US" sz="2000">
+                <a:latin typeface="Times New Roman" pitchFamily="18" charset="0"/>
+                <a:cs typeface="Times New Roman" pitchFamily="18" charset="0"/>
+              </a:rPr>
               <a:t>Test </a:t>
             </a:r>
             <a:r>
-              <a:rPr lang="en-US" sz="2000" smtClean="0"/>
+              <a:rPr lang="en-US" sz="2000" smtClean="0">
+                <a:latin typeface="Times New Roman" pitchFamily="18" charset="0"/>
+                <a:cs typeface="Times New Roman" pitchFamily="18" charset="0"/>
+              </a:rPr>
               <a:t>case </a:t>
             </a:r>
             <a:r>
-              <a:rPr lang="en-US" sz="2000"/>
+              <a:rPr lang="en-US" sz="2000">
+                <a:latin typeface="Times New Roman" pitchFamily="18" charset="0"/>
+                <a:cs typeface="Times New Roman" pitchFamily="18" charset="0"/>
+              </a:rPr>
               <a:t>với </a:t>
             </a:r>
             <a:r>
-              <a:rPr lang="en-US" sz="2000" smtClean="0"/>
+              <a:rPr lang="en-US" sz="2000" smtClean="0">
+                <a:latin typeface="Times New Roman" pitchFamily="18" charset="0"/>
+                <a:cs typeface="Times New Roman" pitchFamily="18" charset="0"/>
+              </a:rPr>
               <a:t> xem bảng xếp hạng “High Score”.</a:t>
             </a:r>
           </a:p>
@@ -6140,19 +6151,24 @@
               <a:buChar char="-"/>
             </a:pPr>
             <a:r>
-              <a:rPr lang="en-US" sz="2000" smtClean="0"/>
+              <a:rPr lang="en-US" sz="2000" smtClean="0">
+                <a:latin typeface="Times New Roman" pitchFamily="18" charset="0"/>
+                <a:cs typeface="Times New Roman" pitchFamily="18" charset="0"/>
+              </a:rPr>
               <a:t>Test case </a:t>
             </a:r>
             <a:r>
-              <a:rPr lang="en-US" sz="2000"/>
-              <a:t>với Màn hình chọn độ khó chế độ “</a:t>
-            </a:r>
-            <a:r>
-              <a:rPr lang="en-US" sz="2000"/>
-              <a:t>Special</a:t>
-            </a:r>
-            <a:r>
-              <a:rPr lang="en-US" sz="2000" smtClean="0"/>
+              <a:rPr lang="en-US" sz="2000">
+                <a:latin typeface="Times New Roman" pitchFamily="18" charset="0"/>
+                <a:cs typeface="Times New Roman" pitchFamily="18" charset="0"/>
+              </a:rPr>
+              <a:t>với Màn hình chọn độ khó chế độ “Special</a:t>
+            </a:r>
+            <a:r>
+              <a:rPr lang="en-US" sz="2000" smtClean="0">
+                <a:latin typeface="Times New Roman" pitchFamily="18" charset="0"/>
+                <a:cs typeface="Times New Roman" pitchFamily="18" charset="0"/>
+              </a:rPr>
               <a:t>”.</a:t>
             </a:r>
           </a:p>
@@ -6162,7 +6178,10 @@
               <a:buChar char="-"/>
             </a:pPr>
             <a:r>
-              <a:rPr lang="en-US" sz="2000"/>
+              <a:rPr lang="en-US" sz="2000">
+                <a:latin typeface="Times New Roman" pitchFamily="18" charset="0"/>
+                <a:cs typeface="Times New Roman" pitchFamily="18" charset="0"/>
+              </a:rPr>
               <a:t>Test case với Màn hình hiển thị Video “Special”.</a:t>
             </a:r>
             <a:endParaRPr lang="en-US" sz="2000" b="1">
@@ -6320,56 +6339,35 @@
                 <a:latin typeface="Times New Roman" pitchFamily="18" charset="0"/>
                 <a:cs typeface="Times New Roman" pitchFamily="18" charset="0"/>
               </a:rPr>
-              <a:t>Như </a:t>
+              <a:t>Như vậy </a:t>
+            </a:r>
+            <a:r>
+              <a:rPr lang="en-US" sz="2000" smtClean="0">
+                <a:latin typeface="Times New Roman" pitchFamily="18" charset="0"/>
+                <a:cs typeface="Times New Roman" pitchFamily="18" charset="0"/>
+              </a:rPr>
+              <a:t>em đã </a:t>
             </a:r>
             <a:r>
               <a:rPr lang="en-US" sz="2000">
                 <a:latin typeface="Times New Roman" pitchFamily="18" charset="0"/>
                 <a:cs typeface="Times New Roman" pitchFamily="18" charset="0"/>
               </a:rPr>
-              <a:t>vậy </a:t>
+              <a:t>hoàn thành mục tiêu ban đầu là xây dựng game 2048 và phát triển thêm các tính </a:t>
             </a:r>
             <a:r>
               <a:rPr lang="en-US" sz="2000" smtClean="0">
                 <a:latin typeface="Times New Roman" pitchFamily="18" charset="0"/>
                 <a:cs typeface="Times New Roman" pitchFamily="18" charset="0"/>
               </a:rPr>
-              <a:t>em đã </a:t>
+              <a:t>năng: </a:t>
             </a:r>
             <a:r>
               <a:rPr lang="en-US" sz="2000">
                 <a:latin typeface="Times New Roman" pitchFamily="18" charset="0"/>
                 <a:cs typeface="Times New Roman" pitchFamily="18" charset="0"/>
               </a:rPr>
-              <a:t>hoàn thành mục tiêu ban đầu là xây dựng game 2048 và phát triển thêm các </a:t>
-            </a:r>
-            <a:r>
-              <a:rPr lang="en-US" sz="2000">
-                <a:latin typeface="Times New Roman" pitchFamily="18" charset="0"/>
-                <a:cs typeface="Times New Roman" pitchFamily="18" charset="0"/>
-              </a:rPr>
-              <a:t>tính </a:t>
-            </a:r>
-            <a:r>
-              <a:rPr lang="en-US" sz="2000" smtClean="0">
-                <a:latin typeface="Times New Roman" pitchFamily="18" charset="0"/>
-                <a:cs typeface="Times New Roman" pitchFamily="18" charset="0"/>
-              </a:rPr>
-              <a:t>năng: </a:t>
-            </a:r>
-            <a:r>
-              <a:rPr lang="en-US" sz="2000">
-                <a:latin typeface="Times New Roman" pitchFamily="18" charset="0"/>
-                <a:cs typeface="Times New Roman" pitchFamily="18" charset="0"/>
-              </a:rPr>
-              <a:t>Lưu tên, điểm, xem bảng xếp hạng và đặc biệt là thêm một loại hình chơi mới cho game 2048 với GameEngine </a:t>
-            </a:r>
-            <a:r>
-              <a:rPr lang="en-US" sz="2000">
-                <a:latin typeface="Times New Roman" pitchFamily="18" charset="0"/>
-                <a:cs typeface="Times New Roman" pitchFamily="18" charset="0"/>
-              </a:rPr>
-              <a:t>Unity</a:t>
+              <a:t>Lưu tên, điểm, xem bảng xếp hạng và đặc biệt là thêm một loại hình chơi mới cho game 2048 với GameEngine Unity</a:t>
             </a:r>
             <a:r>
               <a:rPr lang="en-US" sz="2000" smtClean="0">
@@ -6392,14 +6390,7 @@
                 <a:latin typeface="Times New Roman" pitchFamily="18" charset="0"/>
                 <a:cs typeface="Times New Roman" pitchFamily="18" charset="0"/>
               </a:rPr>
-              <a:t>Phát triển game 2048 với cách chơi mới cùng với nhiều tính năng mới đã giúp cho game thêm phần phong phú và hấp </a:t>
-            </a:r>
-            <a:r>
-              <a:rPr lang="en-US" sz="2000">
-                <a:latin typeface="Times New Roman" pitchFamily="18" charset="0"/>
-                <a:cs typeface="Times New Roman" pitchFamily="18" charset="0"/>
-              </a:rPr>
-              <a:t>dẫn</a:t>
+              <a:t>Phát triển game 2048 với cách chơi mới cùng với nhiều tính năng mới đã giúp cho game thêm phần phong phú và hấp dẫn</a:t>
             </a:r>
             <a:r>
               <a:rPr lang="en-US" sz="2000" smtClean="0">
@@ -6425,35 +6416,21 @@
                 <a:latin typeface="Times New Roman" pitchFamily="18" charset="0"/>
                 <a:cs typeface="Times New Roman" pitchFamily="18" charset="0"/>
               </a:rPr>
-              <a:t>Với phần mềm lập trình đa nền tảng Unity có thể dễ dàng lập trình và build ra trên </a:t>
+              <a:t>Với phần mềm lập trình đa nền tảng Unity có thể dễ dàng lập trình và build ra trên nhiều </a:t>
+            </a:r>
+            <a:r>
+              <a:rPr lang="en-US" sz="2000" smtClean="0">
+                <a:latin typeface="Times New Roman" pitchFamily="18" charset="0"/>
+                <a:cs typeface="Times New Roman" pitchFamily="18" charset="0"/>
+              </a:rPr>
+              <a:t>nền tảng khác </a:t>
             </a:r>
             <a:r>
               <a:rPr lang="en-US" sz="2000">
                 <a:latin typeface="Times New Roman" pitchFamily="18" charset="0"/>
                 <a:cs typeface="Times New Roman" pitchFamily="18" charset="0"/>
               </a:rPr>
-              <a:t>nhiều </a:t>
-            </a:r>
-            <a:r>
-              <a:rPr lang="en-US" sz="2000" smtClean="0">
-                <a:latin typeface="Times New Roman" pitchFamily="18" charset="0"/>
-                <a:cs typeface="Times New Roman" pitchFamily="18" charset="0"/>
-              </a:rPr>
-              <a:t>nền tảng khác </a:t>
-            </a:r>
-            <a:r>
-              <a:rPr lang="en-US" sz="2000">
-                <a:latin typeface="Times New Roman" pitchFamily="18" charset="0"/>
-                <a:cs typeface="Times New Roman" pitchFamily="18" charset="0"/>
-              </a:rPr>
-              <a:t>nhau. Có thể thấy tiềm năng lập trình game hay ứng dụng trên unity rất lớn và dễ dàng cho lập trình viên phát triển một game theo trí tưởng tượng của </a:t>
-            </a:r>
-            <a:r>
-              <a:rPr lang="en-US" sz="2000">
-                <a:latin typeface="Times New Roman" pitchFamily="18" charset="0"/>
-                <a:cs typeface="Times New Roman" pitchFamily="18" charset="0"/>
-              </a:rPr>
-              <a:t>mình</a:t>
+              <a:t>nhau. Có thể thấy tiềm năng lập trình game hay ứng dụng trên unity rất lớn và dễ dàng cho lập trình viên phát triển một game theo trí tưởng tượng của mình</a:t>
             </a:r>
             <a:r>
               <a:rPr lang="en-US" sz="2000" smtClean="0">
@@ -6660,7 +6637,11 @@
           <a:p>
             <a:r>
               <a:rPr lang="en-US" sz="2800" b="1" u="sng" smtClean="0"/>
-              <a:t>Cấu Trúc Luận Văn</a:t>
+              <a:t>Cấu Trúc </a:t>
+            </a:r>
+            <a:r>
+              <a:rPr lang="en-US" sz="2800" b="1" u="sng" smtClean="0"/>
+              <a:t>Tiểu Luận</a:t>
             </a:r>
             <a:endParaRPr lang="en-US" sz="2800" b="1" u="sng">
               <a:latin typeface="Times New Roman" pitchFamily="18" charset="0"/>
@@ -6801,13 +6782,6 @@
               </a:rPr>
               <a:t>Chương I. Giới Thiệu Về Unity.</a:t>
             </a:r>
-            <a:r>
-              <a:rPr lang="vi-VN" sz="2400" spc="100">
-                <a:latin typeface="Times New Roman" pitchFamily="18" charset="0"/>
-                <a:cs typeface="Times New Roman" pitchFamily="18" charset="0"/>
-              </a:rPr>
-              <a:t/>
-            </a:r>
             <a:br>
               <a:rPr lang="vi-VN" sz="2400" spc="100">
                 <a:latin typeface="Times New Roman" pitchFamily="18" charset="0"/>
@@ -6835,13 +6809,6 @@
               </a:rPr>
               <a:t>Chương II. Khảo Sát Hiện Trạng và Phân tích yêu cầu.</a:t>
             </a:r>
-            <a:r>
-              <a:rPr lang="vi-VN" sz="2400" spc="100">
-                <a:latin typeface="Times New Roman" pitchFamily="18" charset="0"/>
-                <a:cs typeface="Times New Roman" pitchFamily="18" charset="0"/>
-              </a:rPr>
-              <a:t/>
-            </a:r>
             <a:br>
               <a:rPr lang="vi-VN" sz="2400" spc="100">
                 <a:latin typeface="Times New Roman" pitchFamily="18" charset="0"/>
@@ -6869,13 +6836,6 @@
               </a:rPr>
               <a:t>Chương III. Thiết Kế</a:t>
             </a:r>
-            <a:r>
-              <a:rPr lang="vi-VN" sz="2400" spc="100">
-                <a:latin typeface="Times New Roman" pitchFamily="18" charset="0"/>
-                <a:cs typeface="Times New Roman" pitchFamily="18" charset="0"/>
-              </a:rPr>
-              <a:t/>
-            </a:r>
             <a:br>
               <a:rPr lang="vi-VN" sz="2400" spc="100">
                 <a:latin typeface="Times New Roman" pitchFamily="18" charset="0"/>
@@ -6914,14 +6874,7 @@
                 <a:latin typeface="Times New Roman" pitchFamily="18" charset="0"/>
                 <a:cs typeface="Times New Roman" pitchFamily="18" charset="0"/>
               </a:rPr>
-              <a:t>- PHẦN </a:t>
-            </a:r>
-            <a:r>
-              <a:rPr lang="vi-VN" sz="2400" b="1" spc="100">
-                <a:latin typeface="Times New Roman" pitchFamily="18" charset="0"/>
-                <a:cs typeface="Times New Roman" pitchFamily="18" charset="0"/>
-              </a:rPr>
-              <a:t>KẾT </a:t>
+              <a:t>- PHẦN KẾT </a:t>
             </a:r>
             <a:r>
               <a:rPr lang="vi-VN" sz="2400" b="1" spc="100" smtClean="0">
@@ -7031,11 +6984,7 @@
             </a:r>
             <a:r>
               <a:rPr lang="vi-VN" sz="2000"/>
-              <a:t>: Đề tài là tìm hiểu engine Unity và sử dụng Unity xây dựng </a:t>
-            </a:r>
-            <a:r>
-              <a:rPr lang="vi-VN" sz="2000"/>
-              <a:t>và </a:t>
+              <a:t>: Đề tài là tìm hiểu engine Unity và sử dụng Unity xây dựng và </a:t>
             </a:r>
             <a:r>
               <a:rPr lang="vi-VN" sz="2000" smtClean="0"/>
@@ -7058,11 +7007,7 @@
             </a:br>
             <a:r>
               <a:rPr lang="vi-VN" sz="2000" b="1"/>
-              <a:t>- </a:t>
-            </a:r>
-            <a:r>
-              <a:rPr lang="vi-VN" sz="2000" b="1"/>
-              <a:t>Đối </a:t>
+              <a:t>- Đối </a:t>
             </a:r>
             <a:r>
               <a:rPr lang="vi-VN" sz="2000" b="1" smtClean="0"/>
@@ -7083,24 +7028,18 @@
             <a:r>
               <a:rPr lang="vi-VN" sz="2000"/>
               <a:t>game 2048 trên Engine Unity.</a:t>
-            </a:r>
-            <a:r>
-              <a:rPr lang="vi-VN" sz="2000"/>
-              <a:t/>
             </a:r>
             <a:br>
               <a:rPr lang="vi-VN" sz="2000"/>
             </a:br>
             <a:r>
               <a:rPr lang="en-US" sz="2000" smtClean="0">
-                <a:latin typeface="Times New Roman" pitchFamily="18" charset="0"/>
                 <a:cs typeface="Times New Roman" pitchFamily="18" charset="0"/>
               </a:rPr>
               <a:t>- </a:t>
             </a:r>
             <a:r>
               <a:rPr lang="en-US" sz="2000" b="1" smtClean="0">
-                <a:latin typeface="Times New Roman" pitchFamily="18" charset="0"/>
                 <a:cs typeface="Times New Roman" pitchFamily="18" charset="0"/>
               </a:rPr>
               <a:t>Phạm Vi Đề Tài: </a:t>
@@ -7112,7 +7051,6 @@
             </a:pPr>
             <a:r>
               <a:rPr lang="en-US" sz="2000" smtClean="0">
-                <a:latin typeface="Times New Roman" pitchFamily="18" charset="0"/>
                 <a:cs typeface="Times New Roman" pitchFamily="18" charset="0"/>
               </a:rPr>
               <a:t>	+ </a:t>
@@ -7123,11 +7061,7 @@
             </a:r>
             <a:r>
               <a:rPr lang="en-US" sz="2000"/>
-              <a:t>hiểu tổng quan về kiến trúc của Unity và cách tạo lập các ứng </a:t>
-            </a:r>
-            <a:r>
-              <a:rPr lang="en-US" sz="2000"/>
-              <a:t>dụng </a:t>
+              <a:t>hiểu tổng quan về kiến trúc của Unity và cách tạo lập các ứng dụng </a:t>
             </a:r>
             <a:r>
               <a:rPr lang="en-US" sz="2000" smtClean="0"/>
@@ -7136,10 +7070,6 @@
             <a:r>
               <a:rPr lang="en-US" sz="2000"/>
               <a:t>.</a:t>
-            </a:r>
-            <a:r>
-              <a:rPr lang="en-US" sz="2000"/>
-              <a:t/>
             </a:r>
             <a:br>
               <a:rPr lang="en-US" sz="2000"/>
@@ -7150,11 +7080,7 @@
             </a:r>
             <a:r>
               <a:rPr lang="en-US" sz="2000"/>
-              <a:t>Truyền dữ </a:t>
-            </a:r>
-            <a:r>
-              <a:rPr lang="en-US" sz="2000"/>
-              <a:t>liệu </a:t>
+              <a:t>Truyền dữ liệu </a:t>
             </a:r>
             <a:r>
               <a:rPr lang="en-US" sz="2000" smtClean="0"/>
@@ -7162,11 +7088,7 @@
             </a:r>
             <a:r>
               <a:rPr lang="vi-VN" sz="2000"/>
-              <a:t>Xử lý Movie đối với nền tảng Window </a:t>
-            </a:r>
-            <a:r>
-              <a:rPr lang="vi-VN" sz="2000"/>
-              <a:t>trên </a:t>
+              <a:t>Xử lý Movie đối với nền tảng Window trên </a:t>
             </a:r>
             <a:r>
               <a:rPr lang="vi-VN" sz="2000" smtClean="0"/>
@@ -7183,7 +7105,6 @@
             </a:pPr>
             <a:r>
               <a:rPr lang="en-US" sz="2000">
-                <a:latin typeface="Times New Roman" pitchFamily="18" charset="0"/>
                 <a:cs typeface="Times New Roman" pitchFamily="18" charset="0"/>
               </a:rPr>
               <a:t>	</a:t>
@@ -7201,14 +7122,12 @@
             </a:br>
             <a:r>
               <a:rPr lang="en-US" sz="2000">
-                <a:latin typeface="Times New Roman" pitchFamily="18" charset="0"/>
                 <a:cs typeface="Times New Roman" pitchFamily="18" charset="0"/>
               </a:rPr>
               <a:t/>
             </a:r>
             <a:br>
               <a:rPr lang="en-US" sz="2000">
-                <a:latin typeface="Times New Roman" pitchFamily="18" charset="0"/>
                 <a:cs typeface="Times New Roman" pitchFamily="18" charset="0"/>
               </a:rPr>
             </a:br>
@@ -7216,7 +7135,6 @@
               <a:solidFill>
                 <a:schemeClr val="tx1"/>
               </a:solidFill>
-              <a:latin typeface="Times New Roman" pitchFamily="18" charset="0"/>
               <a:cs typeface="Times New Roman" pitchFamily="18" charset="0"/>
             </a:endParaRPr>
           </a:p>
@@ -7371,39 +7289,7 @@
                 <a:cs typeface="Times New Roman" pitchFamily="18" charset="0"/>
                 <a:hlinkClick r:id="rId3" action="ppaction://hlinksldjump"/>
               </a:rPr>
-              <a:t>Chương </a:t>
-            </a:r>
-            <a:r>
-              <a:rPr lang="en-US" sz="2200" b="1" u="sng" smtClean="0">
-                <a:latin typeface="Times New Roman" pitchFamily="18" charset="0"/>
-                <a:cs typeface="Times New Roman" pitchFamily="18" charset="0"/>
-                <a:hlinkClick r:id="rId3" action="ppaction://hlinksldjump"/>
-              </a:rPr>
-              <a:t>I. </a:t>
-            </a:r>
-            <a:r>
-              <a:rPr lang="en-US" sz="2200" b="1" u="sng" smtClean="0">
-                <a:latin typeface="Times New Roman" pitchFamily="18" charset="0"/>
-                <a:cs typeface="Times New Roman" pitchFamily="18" charset="0"/>
-                <a:hlinkClick r:id="rId3" action="ppaction://hlinksldjump"/>
-              </a:rPr>
-              <a:t>Giới Thiệu Về </a:t>
-            </a:r>
-            <a:r>
-              <a:rPr lang="en-US" sz="2200" b="1" u="sng" smtClean="0">
-                <a:latin typeface="Times New Roman" pitchFamily="18" charset="0"/>
-                <a:cs typeface="Times New Roman" pitchFamily="18" charset="0"/>
-                <a:hlinkClick r:id="rId3" action="ppaction://hlinksldjump"/>
-              </a:rPr>
-              <a:t> GameEngine Unity</a:t>
-            </a:r>
-            <a:r>
-              <a:rPr lang="en-US" sz="2200" b="1" u="sng" smtClean="0">
-                <a:latin typeface="Times New Roman" pitchFamily="18" charset="0"/>
-                <a:cs typeface="Times New Roman" pitchFamily="18" charset="0"/>
-                <a:hlinkClick r:id="rId3" action="ppaction://hlinksldjump"/>
-              </a:rPr>
-              <a:t>.</a:t>
+              <a:t>Chương I. Giới Thiệu Về  GameEngine Unity.</a:t>
             </a:r>
             <a:endParaRPr lang="en-US" sz="2200" b="1">
               <a:latin typeface="Times New Roman" pitchFamily="18" charset="0"/>
@@ -7440,11 +7326,7 @@
             </a:pPr>
             <a:r>
               <a:rPr lang="vi-VN" sz="2000"/>
-              <a:t>• Phiên bản hiện tại: Unity </a:t>
-            </a:r>
-            <a:r>
-              <a:rPr lang="vi-VN" sz="2000"/>
-              <a:t>5 </a:t>
+              <a:t>• Phiên bản hiện tại: Unity 5 </a:t>
             </a:r>
             <a:r>
               <a:rPr lang="vi-VN" sz="2000" smtClean="0"/>
@@ -7466,11 +7348,7 @@
             </a:br>
             <a:r>
               <a:rPr lang="vi-VN" sz="2000"/>
-              <a:t>- Game có </a:t>
-            </a:r>
-            <a:r>
-              <a:rPr lang="vi-VN" sz="2000"/>
-              <a:t>thể </a:t>
+              <a:t>- Game có thể </a:t>
             </a:r>
             <a:r>
               <a:rPr lang="vi-VN" sz="2000" smtClean="0"/>
@@ -7478,11 +7356,7 @@
             </a:r>
             <a:r>
               <a:rPr lang="vi-VN" sz="2000"/>
-              <a:t>ra để chạy trên các nền tảng: PlayStation 3</a:t>
-            </a:r>
-            <a:r>
-              <a:rPr lang="vi-VN" sz="2000"/>
-              <a:t>, </a:t>
+              <a:t>ra để chạy trên các nền tảng: PlayStation 3, </a:t>
             </a:r>
             <a:r>
               <a:rPr lang="vi-VN" sz="2000" smtClean="0"/>
@@ -7498,11 +7372,7 @@
             </a:r>
             <a:r>
               <a:rPr lang="vi-VN" sz="2000"/>
-              <a:t>, Wii U, iOS, Android, Windows, Blackberry 10, OS X, Linux, </a:t>
-            </a:r>
-            <a:r>
-              <a:rPr lang="vi-VN" sz="2000"/>
-              <a:t>trình </a:t>
+              <a:t>, Wii U, iOS, Android, Windows, Blackberry 10, OS X, Linux, trình </a:t>
             </a:r>
             <a:r>
               <a:rPr lang="vi-VN" sz="2000" smtClean="0"/>
@@ -7519,10 +7389,6 @@
             <a:r>
               <a:rPr lang="vi-VN" sz="2000"/>
               <a:t>và cả Flash…</a:t>
-            </a:r>
-            <a:r>
-              <a:rPr lang="vi-VN" sz="2000"/>
-              <a:t/>
             </a:r>
             <a:br>
               <a:rPr lang="vi-VN" sz="2000"/>
@@ -7681,15 +7547,7 @@
                 <a:cs typeface="Times New Roman" pitchFamily="18" charset="0"/>
                 <a:hlinkClick r:id="rId3" action="ppaction://hlinksldjump"/>
               </a:rPr>
-              <a:t>Chương </a:t>
-            </a:r>
-            <a:r>
-              <a:rPr lang="en-US" sz="2200" b="1" u="sng" smtClean="0">
-                <a:latin typeface="Times New Roman" pitchFamily="18" charset="0"/>
-                <a:cs typeface="Times New Roman" pitchFamily="18" charset="0"/>
-                <a:hlinkClick r:id="rId3" action="ppaction://hlinksldjump"/>
-              </a:rPr>
-              <a:t>II. Khảo Sát Hiện Trạng và Sơ đồ Use Cases</a:t>
+              <a:t>Chương II. Khảo Sát Hiện Trạng và Sơ đồ Use Cases</a:t>
             </a:r>
             <a:endParaRPr lang="en-US" sz="2200" b="1">
               <a:latin typeface="Times New Roman" pitchFamily="18" charset="0"/>
@@ -7737,70 +7595,49 @@
                 <a:latin typeface="Times New Roman" pitchFamily="18" charset="0"/>
                 <a:cs typeface="Times New Roman" pitchFamily="18" charset="0"/>
               </a:rPr>
-              <a:t>2014 sau cơn sốt game “Flappy bird”. Game 2048 xuất hiện và tạo ra cơn sốt </a:t>
+              <a:t>2014 sau cơn sốt game “Flappy bird”. Game 2048 xuất hiện và tạo ra cơn sốt tiếp </a:t>
+            </a:r>
+            <a:r>
+              <a:rPr lang="en-US" sz="2000" smtClean="0">
+                <a:latin typeface="Times New Roman" pitchFamily="18" charset="0"/>
+                <a:cs typeface="Times New Roman" pitchFamily="18" charset="0"/>
+              </a:rPr>
+              <a:t>theo là những </a:t>
             </a:r>
             <a:r>
               <a:rPr lang="en-US" sz="2000">
                 <a:latin typeface="Times New Roman" pitchFamily="18" charset="0"/>
                 <a:cs typeface="Times New Roman" pitchFamily="18" charset="0"/>
               </a:rPr>
-              <a:t>tiếp </a:t>
+              <a:t>game Mini phù hợp nhất là chơi trên nền tảng </a:t>
             </a:r>
             <a:r>
               <a:rPr lang="en-US" sz="2000" smtClean="0">
                 <a:latin typeface="Times New Roman" pitchFamily="18" charset="0"/>
                 <a:cs typeface="Times New Roman" pitchFamily="18" charset="0"/>
               </a:rPr>
-              <a:t>theo là những </a:t>
+              <a:t>android</a:t>
             </a:r>
             <a:r>
               <a:rPr lang="en-US" sz="2000">
                 <a:latin typeface="Times New Roman" pitchFamily="18" charset="0"/>
                 <a:cs typeface="Times New Roman" pitchFamily="18" charset="0"/>
               </a:rPr>
-              <a:t>game Mini phù hợp nhất là chơi trên nền </a:t>
+              <a:t>. </a:t>
+            </a:r>
+            <a:r>
+              <a:rPr lang="en-US" sz="2000" smtClean="0">
+                <a:latin typeface="Times New Roman" pitchFamily="18" charset="0"/>
+                <a:cs typeface="Times New Roman" pitchFamily="18" charset="0"/>
+              </a:rPr>
+              <a:t>Sau </a:t>
             </a:r>
             <a:r>
               <a:rPr lang="en-US" sz="2000">
                 <a:latin typeface="Times New Roman" pitchFamily="18" charset="0"/>
                 <a:cs typeface="Times New Roman" pitchFamily="18" charset="0"/>
               </a:rPr>
-              <a:t>tảng </a:t>
-            </a:r>
-            <a:r>
-              <a:rPr lang="en-US" sz="2000" smtClean="0">
-                <a:latin typeface="Times New Roman" pitchFamily="18" charset="0"/>
-                <a:cs typeface="Times New Roman" pitchFamily="18" charset="0"/>
-              </a:rPr>
-              <a:t>android</a:t>
-            </a:r>
-            <a:r>
-              <a:rPr lang="en-US" sz="2000">
-                <a:latin typeface="Times New Roman" pitchFamily="18" charset="0"/>
-                <a:cs typeface="Times New Roman" pitchFamily="18" charset="0"/>
-              </a:rPr>
-              <a:t>. </a:t>
-            </a:r>
-            <a:r>
-              <a:rPr lang="en-US" sz="2000" smtClean="0">
-                <a:latin typeface="Times New Roman" pitchFamily="18" charset="0"/>
-                <a:cs typeface="Times New Roman" pitchFamily="18" charset="0"/>
-              </a:rPr>
-              <a:t>Sau </a:t>
-            </a:r>
-            <a:r>
-              <a:rPr lang="en-US" sz="2000">
-                <a:latin typeface="Times New Roman" pitchFamily="18" charset="0"/>
-                <a:cs typeface="Times New Roman" pitchFamily="18" charset="0"/>
-              </a:rPr>
-              <a:t>2 năm thì  game “2048” cũng giống như “Flappy bird” vẫn là một trong những ứng dụng giải trí lúc rãnh rõi của </a:t>
-            </a:r>
-            <a:r>
-              <a:rPr lang="en-US" sz="2000">
-                <a:latin typeface="Times New Roman" pitchFamily="18" charset="0"/>
-                <a:cs typeface="Times New Roman" pitchFamily="18" charset="0"/>
-              </a:rPr>
-              <a:t>mọi </a:t>
+              <a:t>2 năm thì  game “2048” cũng giống như “Flappy bird” vẫn là một trong những ứng dụng giải trí lúc rãnh rõi của mọi </a:t>
             </a:r>
             <a:r>
               <a:rPr lang="en-US" sz="2000" smtClean="0">
@@ -8054,15 +7891,7 @@
                 <a:cs typeface="Times New Roman" pitchFamily="18" charset="0"/>
                 <a:hlinkClick r:id="rId3" action="ppaction://hlinksldjump"/>
               </a:rPr>
-              <a:t>Chương </a:t>
-            </a:r>
-            <a:r>
-              <a:rPr lang="en-US" sz="2200" b="1" u="sng" smtClean="0">
-                <a:latin typeface="Times New Roman" pitchFamily="18" charset="0"/>
-                <a:cs typeface="Times New Roman" pitchFamily="18" charset="0"/>
-                <a:hlinkClick r:id="rId3" action="ppaction://hlinksldjump"/>
-              </a:rPr>
-              <a:t>II. Khảo Sát Hiện Trạng và Sơ đồ Use Cases</a:t>
+              <a:t>Chương II. Khảo Sát Hiện Trạng và Sơ đồ Use Cases</a:t>
             </a:r>
             <a:endParaRPr lang="en-US" sz="2200" b="1">
               <a:latin typeface="Times New Roman" pitchFamily="18" charset="0"/>
@@ -8278,15 +8107,7 @@
                 <a:cs typeface="Times New Roman" pitchFamily="18" charset="0"/>
                 <a:hlinkClick r:id="rId3" action="ppaction://hlinksldjump"/>
               </a:rPr>
-              <a:t>Chương </a:t>
-            </a:r>
-            <a:r>
-              <a:rPr lang="en-US" sz="2200" b="1" u="sng" smtClean="0">
-                <a:latin typeface="Times New Roman" pitchFamily="18" charset="0"/>
-                <a:cs typeface="Times New Roman" pitchFamily="18" charset="0"/>
-                <a:hlinkClick r:id="rId3" action="ppaction://hlinksldjump"/>
-              </a:rPr>
-              <a:t>III. Thiết Kế.</a:t>
+              <a:t>Chương III. Thiết Kế.</a:t>
             </a:r>
             <a:endParaRPr lang="en-US" sz="2200" b="1">
               <a:latin typeface="Times New Roman" pitchFamily="18" charset="0"/>
@@ -8592,15 +8413,7 @@
                 <a:cs typeface="Times New Roman" pitchFamily="18" charset="0"/>
                 <a:hlinkClick r:id="rId3" action="ppaction://hlinksldjump"/>
               </a:rPr>
-              <a:t>Chương </a:t>
-            </a:r>
-            <a:r>
-              <a:rPr lang="en-US" sz="2200" b="1" u="sng" smtClean="0">
-                <a:latin typeface="Times New Roman" pitchFamily="18" charset="0"/>
-                <a:cs typeface="Times New Roman" pitchFamily="18" charset="0"/>
-                <a:hlinkClick r:id="rId3" action="ppaction://hlinksldjump"/>
-              </a:rPr>
-              <a:t>III. Thiết Kế</a:t>
+              <a:t>Chương III. Thiết Kế</a:t>
             </a:r>
             <a:endParaRPr lang="en-US" sz="2200" b="1">
               <a:latin typeface="Times New Roman" pitchFamily="18" charset="0"/>
@@ -8651,7 +8464,7 @@
       </p:sp>
       <p:pic>
         <p:nvPicPr>
-          <p:cNvPr id="2050" name="Picture 2"/>
+          <p:cNvPr id="1026" name="Picture 2"/>
           <p:cNvPicPr>
             <a:picLocks noChangeAspect="1" noChangeArrowheads="1"/>
           </p:cNvPicPr>
@@ -8672,8 +8485,8 @@
         </p:blipFill>
         <p:spPr bwMode="auto">
           <a:xfrm>
-            <a:off x="304800" y="2057400"/>
-            <a:ext cx="8305800" cy="4419600"/>
+            <a:off x="414337" y="2057400"/>
+            <a:ext cx="8315325" cy="4419600"/>
           </a:xfrm>
           <a:prstGeom prst="rect">
             <a:avLst/>
@@ -8832,15 +8645,7 @@
                 <a:cs typeface="Times New Roman" pitchFamily="18" charset="0"/>
                 <a:hlinkClick r:id="rId3" action="ppaction://hlinksldjump"/>
               </a:rPr>
-              <a:t>Chương </a:t>
-            </a:r>
-            <a:r>
-              <a:rPr lang="en-US" sz="2200" b="1" u="sng" smtClean="0">
-                <a:latin typeface="Times New Roman" pitchFamily="18" charset="0"/>
-                <a:cs typeface="Times New Roman" pitchFamily="18" charset="0"/>
-                <a:hlinkClick r:id="rId3" action="ppaction://hlinksldjump"/>
-              </a:rPr>
-              <a:t>III. Thiết Kế</a:t>
+              <a:t>Chương III. Thiết Kế</a:t>
             </a:r>
             <a:endParaRPr lang="en-US" sz="2200" b="1">
               <a:latin typeface="Times New Roman" pitchFamily="18" charset="0"/>
